--- a/WPF.pptx
+++ b/WPF.pptx
@@ -106,6 +106,11 @@
       </a:defRPr>
     </a:lvl9pPr>
   </p:defaultTextStyle>
+  <p:extLst>
+    <p:ext uri="{EFAFB233-063F-42B5-8137-9DF3F51BA10A}">
+      <p15:sldGuideLst xmlns:p15="http://schemas.microsoft.com/office/powerpoint/2012/main"/>
+    </p:ext>
+  </p:extLst>
 </p:presentation>
 </file>
 
@@ -240,7 +245,7 @@
           <a:p>
             <a:fld id="{C9941983-DB6E-4BC2-8A22-91663B4D1D53}" type="datetimeFigureOut">
               <a:rPr lang="ko-KR" altLang="en-US" smtClean="0"/>
-              <a:t>2017-03-23</a:t>
+              <a:t>2017-03-24</a:t>
             </a:fld>
             <a:endParaRPr lang="ko-KR" altLang="en-US"/>
           </a:p>
@@ -410,7 +415,7 @@
           <a:p>
             <a:fld id="{C9941983-DB6E-4BC2-8A22-91663B4D1D53}" type="datetimeFigureOut">
               <a:rPr lang="ko-KR" altLang="en-US" smtClean="0"/>
-              <a:t>2017-03-23</a:t>
+              <a:t>2017-03-24</a:t>
             </a:fld>
             <a:endParaRPr lang="ko-KR" altLang="en-US"/>
           </a:p>
@@ -590,7 +595,7 @@
           <a:p>
             <a:fld id="{C9941983-DB6E-4BC2-8A22-91663B4D1D53}" type="datetimeFigureOut">
               <a:rPr lang="ko-KR" altLang="en-US" smtClean="0"/>
-              <a:t>2017-03-23</a:t>
+              <a:t>2017-03-24</a:t>
             </a:fld>
             <a:endParaRPr lang="ko-KR" altLang="en-US"/>
           </a:p>
@@ -760,7 +765,7 @@
           <a:p>
             <a:fld id="{C9941983-DB6E-4BC2-8A22-91663B4D1D53}" type="datetimeFigureOut">
               <a:rPr lang="ko-KR" altLang="en-US" smtClean="0"/>
-              <a:t>2017-03-23</a:t>
+              <a:t>2017-03-24</a:t>
             </a:fld>
             <a:endParaRPr lang="ko-KR" altLang="en-US"/>
           </a:p>
@@ -1006,7 +1011,7 @@
           <a:p>
             <a:fld id="{C9941983-DB6E-4BC2-8A22-91663B4D1D53}" type="datetimeFigureOut">
               <a:rPr lang="ko-KR" altLang="en-US" smtClean="0"/>
-              <a:t>2017-03-23</a:t>
+              <a:t>2017-03-24</a:t>
             </a:fld>
             <a:endParaRPr lang="ko-KR" altLang="en-US"/>
           </a:p>
@@ -1238,7 +1243,7 @@
           <a:p>
             <a:fld id="{C9941983-DB6E-4BC2-8A22-91663B4D1D53}" type="datetimeFigureOut">
               <a:rPr lang="ko-KR" altLang="en-US" smtClean="0"/>
-              <a:t>2017-03-23</a:t>
+              <a:t>2017-03-24</a:t>
             </a:fld>
             <a:endParaRPr lang="ko-KR" altLang="en-US"/>
           </a:p>
@@ -1605,7 +1610,7 @@
           <a:p>
             <a:fld id="{C9941983-DB6E-4BC2-8A22-91663B4D1D53}" type="datetimeFigureOut">
               <a:rPr lang="ko-KR" altLang="en-US" smtClean="0"/>
-              <a:t>2017-03-23</a:t>
+              <a:t>2017-03-24</a:t>
             </a:fld>
             <a:endParaRPr lang="ko-KR" altLang="en-US"/>
           </a:p>
@@ -1723,7 +1728,7 @@
           <a:p>
             <a:fld id="{C9941983-DB6E-4BC2-8A22-91663B4D1D53}" type="datetimeFigureOut">
               <a:rPr lang="ko-KR" altLang="en-US" smtClean="0"/>
-              <a:t>2017-03-23</a:t>
+              <a:t>2017-03-24</a:t>
             </a:fld>
             <a:endParaRPr lang="ko-KR" altLang="en-US"/>
           </a:p>
@@ -1818,7 +1823,7 @@
           <a:p>
             <a:fld id="{C9941983-DB6E-4BC2-8A22-91663B4D1D53}" type="datetimeFigureOut">
               <a:rPr lang="ko-KR" altLang="en-US" smtClean="0"/>
-              <a:t>2017-03-23</a:t>
+              <a:t>2017-03-24</a:t>
             </a:fld>
             <a:endParaRPr lang="ko-KR" altLang="en-US"/>
           </a:p>
@@ -2095,7 +2100,7 @@
           <a:p>
             <a:fld id="{C9941983-DB6E-4BC2-8A22-91663B4D1D53}" type="datetimeFigureOut">
               <a:rPr lang="ko-KR" altLang="en-US" smtClean="0"/>
-              <a:t>2017-03-23</a:t>
+              <a:t>2017-03-24</a:t>
             </a:fld>
             <a:endParaRPr lang="ko-KR" altLang="en-US"/>
           </a:p>
@@ -2348,7 +2353,7 @@
           <a:p>
             <a:fld id="{C9941983-DB6E-4BC2-8A22-91663B4D1D53}" type="datetimeFigureOut">
               <a:rPr lang="ko-KR" altLang="en-US" smtClean="0"/>
-              <a:t>2017-03-23</a:t>
+              <a:t>2017-03-24</a:t>
             </a:fld>
             <a:endParaRPr lang="ko-KR" altLang="en-US"/>
           </a:p>
@@ -2561,7 +2566,7 @@
           <a:p>
             <a:fld id="{C9941983-DB6E-4BC2-8A22-91663B4D1D53}" type="datetimeFigureOut">
               <a:rPr lang="ko-KR" altLang="en-US" smtClean="0"/>
-              <a:t>2017-03-23</a:t>
+              <a:t>2017-03-24</a:t>
             </a:fld>
             <a:endParaRPr lang="ko-KR" altLang="en-US"/>
           </a:p>
@@ -3155,7 +3160,7 @@
         <p:spPr>
           <a:xfrm>
             <a:off x="417202" y="2044133"/>
-            <a:ext cx="11670182" cy="2585323"/>
+            <a:ext cx="12906097" cy="2585323"/>
           </a:xfrm>
           <a:prstGeom prst="rect">
             <a:avLst/>
@@ -3183,7 +3188,15 @@
           <a:p>
             <a:r>
               <a:rPr lang="ko-KR" altLang="en-US" dirty="0" smtClean="0"/>
-              <a:t>현재 레코드 관리</a:t>
+              <a:t>현재 </a:t>
+            </a:r>
+            <a:r>
+              <a:rPr lang="ko-KR" altLang="en-US" dirty="0" smtClean="0"/>
+              <a:t>컬렉션의 데이터를 </a:t>
+            </a:r>
+            <a:r>
+              <a:rPr lang="ko-KR" altLang="en-US" dirty="0" smtClean="0"/>
+              <a:t>관리</a:t>
             </a:r>
             <a:r>
               <a:rPr lang="en-US" altLang="ko-KR" dirty="0" smtClean="0"/>
